--- a/presentacion/entrega1/Diapositivas Entrega1.pptx
+++ b/presentacion/entrega1/Diapositivas Entrega1.pptx
@@ -257,7 +257,7 @@
       <p15:sldGuideLst xmlns:p15="http://schemas.microsoft.com/office/powerpoint/2012/main"/>
     </p:ext>
     <p:ext uri="http://customooxmlschemas.google.com/">
-      <go:slidesCustomData xmlns="" xmlns:mc="http://schemas.openxmlformats.org/markup-compatibility/2006" xmlns:mv="urn:schemas-microsoft-com:mac:vml" xmlns:c="http://schemas.openxmlformats.org/drawingml/2006/chart" xmlns:dgm="http://schemas.openxmlformats.org/drawingml/2006/diagram" xmlns:o="urn:schemas-microsoft-com:office:office" xmlns:v="urn:schemas-microsoft-com:vml" xmlns:pvml="urn:schemas-microsoft-com:office:powerpoint" xmlns:com="http://schemas.openxmlformats.org/drawingml/2006/compatibility" xmlns:p14="http://schemas.microsoft.com/office/powerpoint/2010/main" xmlns:p15="http://schemas.microsoft.com/office/powerpoint/2012/main" xmlns:ahyp="http://schemas.microsoft.com/office/drawing/2018/hyperlinkcolor" xmlns:go="http://customooxmlschemas.google.com/" r:id="rId26" roundtripDataSignature="AMtx7mjCfBlu0pfgv8tbonjePBvvEPmOhg=="/>
+      <go:slidesCustomData xmlns:go="http://customooxmlschemas.google.com/" xmlns:ahyp="http://schemas.microsoft.com/office/drawing/2018/hyperlinkcolor" xmlns:p15="http://schemas.microsoft.com/office/powerpoint/2012/main" xmlns:p14="http://schemas.microsoft.com/office/powerpoint/2010/main" xmlns:com="http://schemas.openxmlformats.org/drawingml/2006/compatibility" xmlns:pvml="urn:schemas-microsoft-com:office:powerpoint" xmlns:v="urn:schemas-microsoft-com:vml" xmlns:o="urn:schemas-microsoft-com:office:office" xmlns:dgm="http://schemas.openxmlformats.org/drawingml/2006/diagram" xmlns:c="http://schemas.openxmlformats.org/drawingml/2006/chart" xmlns:mv="urn:schemas-microsoft-com:mac:vml" xmlns:mc="http://schemas.openxmlformats.org/markup-compatibility/2006" xmlns="" r:id="rId26" roundtripDataSignature="AMtx7mjCfBlu0pfgv8tbonjePBvvEPmOhg=="/>
     </p:ext>
   </p:extLst>
 </p:presentation>
@@ -17289,8 +17289,8 @@
         </p:nvSpPr>
         <p:spPr>
           <a:xfrm>
-            <a:off x="3551040" y="4180680"/>
-            <a:ext cx="2192760" cy="759960"/>
+            <a:off x="3551039" y="4180680"/>
+            <a:ext cx="2420119" cy="1445096"/>
           </a:xfrm>
           <a:prstGeom prst="rect">
             <a:avLst/>
@@ -17324,7 +17324,15 @@
               <a:buNone/>
             </a:pPr>
             <a:r>
-              <a:rPr lang="en-US" sz="2200" b="1" i="0" u="none" strike="noStrike" cap="none">
+              <a:rPr lang="en-US" sz="2200" b="1" dirty="0">
+                <a:solidFill>
+                  <a:srgbClr val="001E33"/>
+                </a:solidFill>
+              </a:rPr>
+              <a:t>M</a:t>
+            </a:r>
+            <a:r>
+              <a:rPr lang="en-US" sz="2200" b="1" i="0" u="none" strike="noStrike" cap="none" dirty="0">
                 <a:solidFill>
                   <a:srgbClr val="001E33"/>
                 </a:solidFill>
@@ -17333,9 +17341,21 @@
                 <a:cs typeface="Arial"/>
                 <a:sym typeface="Arial"/>
               </a:rPr>
-              <a:t>Second author</a:t>
+              <a:t>arco Gomez </a:t>
             </a:r>
-            <a:endParaRPr sz="2200" b="1" i="0" u="none" strike="noStrike" cap="none">
+            <a:r>
+              <a:rPr lang="en-US" sz="2200" b="0" i="0" u="none" strike="noStrike" cap="none" dirty="0">
+                <a:solidFill>
+                  <a:srgbClr val="001E33"/>
+                </a:solidFill>
+                <a:latin typeface="Arial"/>
+                <a:ea typeface="Arial"/>
+                <a:cs typeface="Arial"/>
+                <a:sym typeface="Arial"/>
+              </a:rPr>
+              <a:t>what have you done?</a:t>
+            </a:r>
+            <a:endParaRPr sz="2200" b="0" i="0" u="none" strike="noStrike" cap="none" dirty="0">
               <a:solidFill>
                 <a:srgbClr val="001E33"/>
               </a:solidFill>
@@ -17363,47 +17383,7 @@
               <a:buFont typeface="Arial"/>
               <a:buNone/>
             </a:pPr>
-            <a:r>
-              <a:rPr lang="en-US" sz="2200" b="0" i="0" u="none" strike="noStrike" cap="none">
-                <a:solidFill>
-                  <a:srgbClr val="001E33"/>
-                </a:solidFill>
-                <a:latin typeface="Arial"/>
-                <a:ea typeface="Arial"/>
-                <a:cs typeface="Arial"/>
-                <a:sym typeface="Arial"/>
-              </a:rPr>
-              <a:t>what have you done?</a:t>
-            </a:r>
-            <a:endParaRPr sz="2200" b="0" i="0" u="none" strike="noStrike" cap="none">
-              <a:solidFill>
-                <a:srgbClr val="001E33"/>
-              </a:solidFill>
-              <a:latin typeface="Arial"/>
-              <a:ea typeface="Arial"/>
-              <a:cs typeface="Arial"/>
-              <a:sym typeface="Arial"/>
-            </a:endParaRPr>
-          </a:p>
-          <a:p>
-            <a:pPr marL="0" marR="0" lvl="0" indent="0" algn="ctr" rtl="0">
-              <a:lnSpc>
-                <a:spcPct val="100000"/>
-              </a:lnSpc>
-              <a:spcBef>
-                <a:spcPts val="0"/>
-              </a:spcBef>
-              <a:spcAft>
-                <a:spcPts val="0"/>
-              </a:spcAft>
-              <a:buClr>
-                <a:srgbClr val="000000"/>
-              </a:buClr>
-              <a:buSzPts val="2200"/>
-              <a:buFont typeface="Arial"/>
-              <a:buNone/>
-            </a:pPr>
-            <a:endParaRPr sz="2200" b="0" i="0" u="none" strike="noStrike" cap="none">
+            <a:endParaRPr sz="2200" b="0" i="0" u="none" strike="noStrike" cap="none" dirty="0">
               <a:solidFill>
                 <a:srgbClr val="000000"/>
               </a:solidFill>
@@ -17423,8 +17403,8 @@
         </p:nvSpPr>
         <p:spPr>
           <a:xfrm>
-            <a:off x="635040" y="4180680"/>
-            <a:ext cx="2192760" cy="424800"/>
+            <a:off x="635039" y="4180680"/>
+            <a:ext cx="2385251" cy="1106542"/>
           </a:xfrm>
           <a:prstGeom prst="rect">
             <a:avLst/>
@@ -17458,18 +17438,14 @@
               <a:buNone/>
             </a:pPr>
             <a:r>
-              <a:rPr lang="en-US" sz="2200" b="1" i="0" u="none" strike="noStrike" cap="none">
+              <a:rPr lang="en-US" sz="2200" b="1" dirty="0">
                 <a:solidFill>
                   <a:srgbClr val="001E33"/>
                 </a:solidFill>
-                <a:latin typeface="Arial"/>
-                <a:ea typeface="Arial"/>
-                <a:cs typeface="Arial"/>
-                <a:sym typeface="Arial"/>
               </a:rPr>
-              <a:t>First author</a:t>
+              <a:t>Julian Valencia</a:t>
             </a:r>
-            <a:endParaRPr sz="2200" b="1" i="0" u="none" strike="noStrike" cap="none">
+            <a:endParaRPr sz="2200" b="1" i="0" u="none" strike="noStrike" cap="none" dirty="0">
               <a:solidFill>
                 <a:srgbClr val="001E33"/>
               </a:solidFill>
@@ -17498,7 +17474,7 @@
               <a:buNone/>
             </a:pPr>
             <a:r>
-              <a:rPr lang="en-US" sz="2200" b="0" i="0" u="none" strike="noStrike" cap="none">
+              <a:rPr lang="en-US" sz="2200" b="0" i="0" u="none" strike="noStrike" cap="none" dirty="0">
                 <a:solidFill>
                   <a:srgbClr val="001E33"/>
                 </a:solidFill>
@@ -17509,7 +17485,7 @@
               </a:rPr>
               <a:t>what have you done?</a:t>
             </a:r>
-            <a:endParaRPr sz="2200" b="0" i="0" u="none" strike="noStrike" cap="none">
+            <a:endParaRPr sz="2200" b="0" i="0" u="none" strike="noStrike" cap="none" dirty="0">
               <a:solidFill>
                 <a:srgbClr val="001E33"/>
               </a:solidFill>
